--- a/Mini Project.pptx
+++ b/Mini Project.pptx
@@ -469,7 +469,7 @@
           <a:p>
             <a:fld id="{48A87A34-81AB-432B-8DAE-1953F412C126}" type="datetimeFigureOut">
               <a:rPr lang="en-US" smtClean="0"/>
-              <a:t>12/21/2022</a:t>
+              <a:t>12/22/2022</a:t>
             </a:fld>
             <a:endParaRPr lang="en-US" dirty="0"/>
           </a:p>
@@ -794,7 +794,7 @@
             <a:fld id="{48A87A34-81AB-432B-8DAE-1953F412C126}" type="datetimeFigureOut">
               <a:rPr lang="en-US" smtClean="0"/>
               <a:pPr/>
-              <a:t>12/21/2022</a:t>
+              <a:t>12/22/2022</a:t>
             </a:fld>
             <a:endParaRPr lang="en-US" dirty="0"/>
           </a:p>
@@ -1044,7 +1044,7 @@
             <a:fld id="{48A87A34-81AB-432B-8DAE-1953F412C126}" type="datetimeFigureOut">
               <a:rPr lang="en-US" smtClean="0"/>
               <a:pPr/>
-              <a:t>12/21/2022</a:t>
+              <a:t>12/22/2022</a:t>
             </a:fld>
             <a:endParaRPr lang="en-US" dirty="0"/>
           </a:p>
@@ -1385,7 +1385,7 @@
             <a:fld id="{48A87A34-81AB-432B-8DAE-1953F412C126}" type="datetimeFigureOut">
               <a:rPr lang="en-US" smtClean="0"/>
               <a:pPr/>
-              <a:t>12/21/2022</a:t>
+              <a:t>12/22/2022</a:t>
             </a:fld>
             <a:endParaRPr lang="en-US" dirty="0"/>
           </a:p>
@@ -1734,7 +1734,7 @@
             <a:fld id="{48A87A34-81AB-432B-8DAE-1953F412C126}" type="datetimeFigureOut">
               <a:rPr lang="en-US" smtClean="0"/>
               <a:pPr/>
-              <a:t>12/21/2022</a:t>
+              <a:t>12/22/2022</a:t>
             </a:fld>
             <a:endParaRPr lang="en-US" dirty="0"/>
           </a:p>
@@ -2110,7 +2110,7 @@
             <a:fld id="{48A87A34-81AB-432B-8DAE-1953F412C126}" type="datetimeFigureOut">
               <a:rPr lang="en-US" smtClean="0"/>
               <a:pPr/>
-              <a:t>12/21/2022</a:t>
+              <a:t>12/22/2022</a:t>
             </a:fld>
             <a:endParaRPr lang="en-US" dirty="0"/>
           </a:p>
@@ -2582,7 +2582,7 @@
             <a:fld id="{48A87A34-81AB-432B-8DAE-1953F412C126}" type="datetimeFigureOut">
               <a:rPr lang="en-US" smtClean="0"/>
               <a:pPr/>
-              <a:t>12/21/2022</a:t>
+              <a:t>12/22/2022</a:t>
             </a:fld>
             <a:endParaRPr lang="en-US" dirty="0"/>
           </a:p>
@@ -2788,7 +2788,7 @@
           <a:p>
             <a:fld id="{48A87A34-81AB-432B-8DAE-1953F412C126}" type="datetimeFigureOut">
               <a:rPr lang="en-US" smtClean="0"/>
-              <a:t>12/21/2022</a:t>
+              <a:t>12/22/2022</a:t>
             </a:fld>
             <a:endParaRPr lang="en-US" dirty="0"/>
           </a:p>
@@ -2999,7 +2999,7 @@
           <a:p>
             <a:fld id="{48A87A34-81AB-432B-8DAE-1953F412C126}" type="datetimeFigureOut">
               <a:rPr lang="en-US" smtClean="0"/>
-              <a:t>12/21/2022</a:t>
+              <a:t>12/22/2022</a:t>
             </a:fld>
             <a:endParaRPr lang="en-US" dirty="0"/>
           </a:p>
@@ -3231,7 +3231,7 @@
           <a:p>
             <a:fld id="{48A87A34-81AB-432B-8DAE-1953F412C126}" type="datetimeFigureOut">
               <a:rPr lang="en-US" smtClean="0"/>
-              <a:t>12/21/2022</a:t>
+              <a:t>12/22/2022</a:t>
             </a:fld>
             <a:endParaRPr lang="en-US" dirty="0"/>
           </a:p>
@@ -3479,7 +3479,7 @@
           <a:p>
             <a:fld id="{48A87A34-81AB-432B-8DAE-1953F412C126}" type="datetimeFigureOut">
               <a:rPr lang="en-US" smtClean="0"/>
-              <a:t>12/21/2022</a:t>
+              <a:t>12/22/2022</a:t>
             </a:fld>
             <a:endParaRPr lang="en-US" dirty="0"/>
           </a:p>
@@ -3777,7 +3777,7 @@
           <a:p>
             <a:fld id="{48A87A34-81AB-432B-8DAE-1953F412C126}" type="datetimeFigureOut">
               <a:rPr lang="en-US" smtClean="0"/>
-              <a:t>12/21/2022</a:t>
+              <a:t>12/22/2022</a:t>
             </a:fld>
             <a:endParaRPr lang="en-US" dirty="0"/>
           </a:p>
@@ -4171,7 +4171,7 @@
           <a:p>
             <a:fld id="{48A87A34-81AB-432B-8DAE-1953F412C126}" type="datetimeFigureOut">
               <a:rPr lang="en-US" smtClean="0"/>
-              <a:t>12/21/2022</a:t>
+              <a:t>12/22/2022</a:t>
             </a:fld>
             <a:endParaRPr lang="en-US" dirty="0"/>
           </a:p>
@@ -4320,7 +4320,7 @@
           <a:p>
             <a:fld id="{48A87A34-81AB-432B-8DAE-1953F412C126}" type="datetimeFigureOut">
               <a:rPr lang="en-US" smtClean="0"/>
-              <a:t>12/21/2022</a:t>
+              <a:t>12/22/2022</a:t>
             </a:fld>
             <a:endParaRPr lang="en-US" dirty="0"/>
           </a:p>
@@ -4446,7 +4446,7 @@
           <a:p>
             <a:fld id="{48A87A34-81AB-432B-8DAE-1953F412C126}" type="datetimeFigureOut">
               <a:rPr lang="en-US" smtClean="0"/>
-              <a:t>12/21/2022</a:t>
+              <a:t>12/22/2022</a:t>
             </a:fld>
             <a:endParaRPr lang="en-US" dirty="0"/>
           </a:p>
@@ -4701,7 +4701,7 @@
           <a:p>
             <a:fld id="{48A87A34-81AB-432B-8DAE-1953F412C126}" type="datetimeFigureOut">
               <a:rPr lang="en-US" smtClean="0"/>
-              <a:t>12/21/2022</a:t>
+              <a:t>12/22/2022</a:t>
             </a:fld>
             <a:endParaRPr lang="en-US" dirty="0"/>
           </a:p>
@@ -5016,7 +5016,7 @@
           <a:p>
             <a:fld id="{48A87A34-81AB-432B-8DAE-1953F412C126}" type="datetimeFigureOut">
               <a:rPr lang="en-US" smtClean="0"/>
-              <a:t>12/21/2022</a:t>
+              <a:t>12/22/2022</a:t>
             </a:fld>
             <a:endParaRPr lang="en-US" dirty="0"/>
           </a:p>
@@ -5368,7 +5368,7 @@
             <a:fld id="{48A87A34-81AB-432B-8DAE-1953F412C126}" type="datetimeFigureOut">
               <a:rPr lang="en-US" smtClean="0"/>
               <a:pPr/>
-              <a:t>12/21/2022</a:t>
+              <a:t>12/22/2022</a:t>
             </a:fld>
             <a:endParaRPr lang="en-US" dirty="0"/>
           </a:p>
@@ -6152,16 +6152,13 @@
                   <a:schemeClr val="tx1"/>
                 </a:solidFill>
               </a:rPr>
-              <a:t>Algorithm</a:t>
-            </a:r>
-            <a:r>
-              <a:rPr lang="en-IN" dirty="0">
-                <a:solidFill>
-                  <a:schemeClr val="tx1"/>
-                </a:solidFill>
-              </a:rPr>
-              <a:t> </a:t>
-            </a:r>
+              <a:t>Working</a:t>
+            </a:r>
+            <a:endParaRPr lang="en-IN" dirty="0">
+              <a:solidFill>
+                <a:schemeClr val="tx1"/>
+              </a:solidFill>
+            </a:endParaRPr>
           </a:p>
         </p:txBody>
       </p:sp>
@@ -6183,10 +6180,79 @@
         </p:nvSpPr>
         <p:spPr/>
         <p:txBody>
-          <a:bodyPr/>
+          <a:bodyPr>
+            <a:normAutofit fontScale="92500" lnSpcReduction="20000"/>
+          </a:bodyPr>
           <a:lstStyle/>
           <a:p>
-            <a:endParaRPr lang="en-IN"/>
+            <a:r>
+              <a:rPr lang="en-US" b="1" dirty="0"/>
+              <a:t>The File Explorer displays</a:t>
+            </a:r>
+          </a:p>
+          <a:p>
+            <a:pPr marL="457200" indent="-457200">
+              <a:buAutoNum type="arabicPeriod"/>
+            </a:pPr>
+            <a:r>
+              <a:rPr lang="en-US" dirty="0"/>
+              <a:t>File/Folder </a:t>
+            </a:r>
+          </a:p>
+          <a:p>
+            <a:r>
+              <a:rPr lang="en-US" b="1" dirty="0"/>
+              <a:t>Provides Functions Like:</a:t>
+            </a:r>
+            <a:endParaRPr lang="en-US" dirty="0"/>
+          </a:p>
+          <a:p>
+            <a:pPr marL="457200" indent="-457200">
+              <a:buAutoNum type="arabicPeriod"/>
+            </a:pPr>
+            <a:r>
+              <a:rPr lang="en-US" dirty="0"/>
+              <a:t>Delete</a:t>
+            </a:r>
+          </a:p>
+          <a:p>
+            <a:pPr marL="457200" indent="-457200">
+              <a:buAutoNum type="arabicPeriod"/>
+            </a:pPr>
+            <a:r>
+              <a:rPr lang="en-US" dirty="0"/>
+              <a:t>Display</a:t>
+            </a:r>
+          </a:p>
+          <a:p>
+            <a:pPr marL="457200" indent="-457200">
+              <a:buAutoNum type="arabicPeriod"/>
+            </a:pPr>
+            <a:r>
+              <a:rPr lang="en-US" dirty="0"/>
+              <a:t>Edit The File</a:t>
+            </a:r>
+          </a:p>
+          <a:p>
+            <a:pPr marL="457200" indent="-457200">
+              <a:buAutoNum type="arabicPeriod"/>
+            </a:pPr>
+            <a:r>
+              <a:rPr lang="en-US" dirty="0"/>
+              <a:t>Move To The Directory</a:t>
+            </a:r>
+          </a:p>
+          <a:p>
+            <a:pPr marL="457200" indent="-457200">
+              <a:buAutoNum type="arabicPeriod"/>
+            </a:pPr>
+            <a:r>
+              <a:rPr lang="en-US" dirty="0"/>
+              <a:t>Scroll Up and Down</a:t>
+            </a:r>
+          </a:p>
+          <a:p>
+            <a:endParaRPr lang="en-IN" b="1" dirty="0"/>
           </a:p>
         </p:txBody>
       </p:sp>
